--- a/Entregables/3 Arquitectura por REST/Presentacion.pptx
+++ b/Entregables/3 Arquitectura por REST/Presentacion.pptx
@@ -8663,7 +8663,7 @@
                 <a16:creationId xmlns:a16="http://schemas.microsoft.com/office/drawing/2014/main" id="{489B7BFD-8F45-4093-AD9C-91B15B0503D9}"/>
               </a:ext>
               <a:ext uri="{C183D7F6-B498-43B3-948B-1728B52AA6E4}">
-                <adec:decorative xmlns="" xmlns:adec="http://schemas.microsoft.com/office/drawing/2017/decorative" val="1"/>
+                <adec:decorative xmlns:adec="http://schemas.microsoft.com/office/drawing/2017/decorative" xmlns="" val="1"/>
               </a:ext>
             </a:extLst>
           </p:cNvPr>
@@ -8723,7 +8723,7 @@
                 <a16:creationId xmlns:a16="http://schemas.microsoft.com/office/drawing/2014/main" id="{042BC7E5-76DB-4826-8C07-4A49B6353F76}"/>
               </a:ext>
               <a:ext uri="{C183D7F6-B498-43B3-948B-1728B52AA6E4}">
-                <adec:decorative xmlns="" xmlns:adec="http://schemas.microsoft.com/office/drawing/2017/decorative" val="1"/>
+                <adec:decorative xmlns:adec="http://schemas.microsoft.com/office/drawing/2017/decorative" xmlns="" val="1"/>
               </a:ext>
             </a:extLst>
           </p:cNvPr>
@@ -8757,7 +8757,7 @@
                   <a16:creationId xmlns:a16="http://schemas.microsoft.com/office/drawing/2014/main" id="{E16C8D8F-10E9-4498-ABDB-0F923F8B6837}"/>
                 </a:ext>
                 <a:ext uri="{C183D7F6-B498-43B3-948B-1728B52AA6E4}">
-                  <adec:decorative xmlns="" xmlns:adec="http://schemas.microsoft.com/office/drawing/2017/decorative" val="1"/>
+                  <adec:decorative xmlns:adec="http://schemas.microsoft.com/office/drawing/2017/decorative" xmlns="" val="1"/>
                 </a:ext>
               </a:extLst>
             </p:cNvPr>
@@ -8958,7 +8958,7 @@
                   <a16:creationId xmlns:a16="http://schemas.microsoft.com/office/drawing/2014/main" id="{1E5A83E3-8A11-4492-BB6E-F5F2240316FB}"/>
                 </a:ext>
                 <a:ext uri="{C183D7F6-B498-43B3-948B-1728B52AA6E4}">
-                  <adec:decorative xmlns="" xmlns:adec="http://schemas.microsoft.com/office/drawing/2017/decorative" val="1"/>
+                  <adec:decorative xmlns:adec="http://schemas.microsoft.com/office/drawing/2017/decorative" xmlns="" val="1"/>
                 </a:ext>
               </a:extLst>
             </p:cNvPr>
@@ -9160,7 +9160,7 @@
                 <a16:creationId xmlns:a16="http://schemas.microsoft.com/office/drawing/2014/main" id="{498F8FF6-43B4-494A-AF8F-123A4983EDF7}"/>
               </a:ext>
               <a:ext uri="{C183D7F6-B498-43B3-948B-1728B52AA6E4}">
-                <adec:decorative xmlns="" xmlns:adec="http://schemas.microsoft.com/office/drawing/2017/decorative" val="1"/>
+                <adec:decorative xmlns:adec="http://schemas.microsoft.com/office/drawing/2017/decorative" xmlns="" val="1"/>
               </a:ext>
             </a:extLst>
           </p:cNvPr>
@@ -9298,7 +9298,7 @@
                 <a16:creationId xmlns:a16="http://schemas.microsoft.com/office/drawing/2014/main" id="{2B06059C-C357-4011-82B9-9C0106301384}"/>
               </a:ext>
               <a:ext uri="{C183D7F6-B498-43B3-948B-1728B52AA6E4}">
-                <adec:decorative xmlns="" xmlns:adec="http://schemas.microsoft.com/office/drawing/2017/decorative" val="1"/>
+                <adec:decorative xmlns:adec="http://schemas.microsoft.com/office/drawing/2017/decorative" xmlns="" val="1"/>
               </a:ext>
             </a:extLst>
           </p:cNvPr>
@@ -9440,7 +9440,7 @@
                 <a16:creationId xmlns:a16="http://schemas.microsoft.com/office/drawing/2014/main" id="{5AFEC601-A132-47EE-B0C2-B38ACD9FCE6F}"/>
               </a:ext>
               <a:ext uri="{C183D7F6-B498-43B3-948B-1728B52AA6E4}">
-                <adec:decorative xmlns="" xmlns:adec="http://schemas.microsoft.com/office/drawing/2017/decorative" val="1"/>
+                <adec:decorative xmlns:adec="http://schemas.microsoft.com/office/drawing/2017/decorative" xmlns="" val="1"/>
               </a:ext>
             </a:extLst>
           </p:cNvPr>
@@ -9656,8 +9656,13 @@
           <a:p>
             <a:r>
               <a:rPr lang="es-CO" sz="1800" dirty="0"/>
-              <a:t>DAVID JUAJINOY</a:t>
-            </a:r>
+              <a:t>DAVID </a:t>
+            </a:r>
+            <a:r>
+              <a:rPr lang="es-CO" sz="1800" dirty="0" err="1" smtClean="0"/>
+              <a:t>Hernandez</a:t>
+            </a:r>
+            <a:endParaRPr lang="es-CO" sz="1800" dirty="0"/>
           </a:p>
           <a:p>
             <a:r>
@@ -9699,7 +9704,7 @@
                 <a16:creationId xmlns:a16="http://schemas.microsoft.com/office/drawing/2014/main" id="{279CAF82-0ECF-42BE-8F37-F71941E5D410}"/>
               </a:ext>
               <a:ext uri="{C183D7F6-B498-43B3-948B-1728B52AA6E4}">
-                <adec:decorative xmlns="" xmlns:adec="http://schemas.microsoft.com/office/drawing/2017/decorative" val="1"/>
+                <adec:decorative xmlns:adec="http://schemas.microsoft.com/office/drawing/2017/decorative" xmlns="" val="1"/>
               </a:ext>
             </a:extLst>
           </p:cNvPr>
@@ -9881,7 +9886,7 @@
                 <a16:creationId xmlns:a16="http://schemas.microsoft.com/office/drawing/2014/main" id="{218E095B-4870-4AD5-9C41-C16D59523501}"/>
               </a:ext>
               <a:ext uri="{C183D7F6-B498-43B3-948B-1728B52AA6E4}">
-                <adec:decorative xmlns="" xmlns:adec="http://schemas.microsoft.com/office/drawing/2017/decorative" val="1"/>
+                <adec:decorative xmlns:adec="http://schemas.microsoft.com/office/drawing/2017/decorative" xmlns="" val="1"/>
               </a:ext>
             </a:extLst>
           </p:cNvPr>
@@ -10065,7 +10070,7 @@
                 <a16:creationId xmlns:a16="http://schemas.microsoft.com/office/drawing/2014/main" id="{FB9739EB-7F66-433D-841F-AB3CD18700B7}"/>
               </a:ext>
               <a:ext uri="{C183D7F6-B498-43B3-948B-1728B52AA6E4}">
-                <adec:decorative xmlns="" xmlns:adec="http://schemas.microsoft.com/office/drawing/2017/decorative" val="1"/>
+                <adec:decorative xmlns:adec="http://schemas.microsoft.com/office/drawing/2017/decorative" xmlns="" val="1"/>
               </a:ext>
             </a:extLst>
           </p:cNvPr>
@@ -10099,7 +10104,7 @@
                   <a16:creationId xmlns:a16="http://schemas.microsoft.com/office/drawing/2014/main" id="{104F2BBD-A005-4DCB-9566-F2351050BEE6}"/>
                 </a:ext>
                 <a:ext uri="{C183D7F6-B498-43B3-948B-1728B52AA6E4}">
-                  <adec:decorative xmlns="" xmlns:adec="http://schemas.microsoft.com/office/drawing/2017/decorative" val="1"/>
+                  <adec:decorative xmlns:adec="http://schemas.microsoft.com/office/drawing/2017/decorative" xmlns="" val="1"/>
                 </a:ext>
               </a:extLst>
             </p:cNvPr>
@@ -10186,7 +10191,7 @@
                   <a16:creationId xmlns:a16="http://schemas.microsoft.com/office/drawing/2014/main" id="{8B00DEC7-198B-49D1-98FD-018F3ECFCF4C}"/>
                 </a:ext>
                 <a:ext uri="{C183D7F6-B498-43B3-948B-1728B52AA6E4}">
-                  <adec:decorative xmlns="" xmlns:adec="http://schemas.microsoft.com/office/drawing/2017/decorative" val="1"/>
+                  <adec:decorative xmlns:adec="http://schemas.microsoft.com/office/drawing/2017/decorative" xmlns="" val="1"/>
                 </a:ext>
               </a:extLst>
             </p:cNvPr>
@@ -10273,7 +10278,7 @@
                   <a16:creationId xmlns:a16="http://schemas.microsoft.com/office/drawing/2014/main" id="{F14DFC82-B3B3-468E-91B3-1302CFC68468}"/>
                 </a:ext>
                 <a:ext uri="{C183D7F6-B498-43B3-948B-1728B52AA6E4}">
-                  <adec:decorative xmlns="" xmlns:adec="http://schemas.microsoft.com/office/drawing/2017/decorative" val="1"/>
+                  <adec:decorative xmlns:adec="http://schemas.microsoft.com/office/drawing/2017/decorative" xmlns="" val="1"/>
                 </a:ext>
               </a:extLst>
             </p:cNvPr>
@@ -10360,7 +10365,7 @@
                   <a16:creationId xmlns:a16="http://schemas.microsoft.com/office/drawing/2014/main" id="{D3250EFE-214E-4B8E-AF96-036A514FFB2D}"/>
                 </a:ext>
                 <a:ext uri="{C183D7F6-B498-43B3-948B-1728B52AA6E4}">
-                  <adec:decorative xmlns="" xmlns:adec="http://schemas.microsoft.com/office/drawing/2017/decorative" val="1"/>
+                  <adec:decorative xmlns:adec="http://schemas.microsoft.com/office/drawing/2017/decorative" xmlns="" val="1"/>
                 </a:ext>
               </a:extLst>
             </p:cNvPr>
@@ -10447,7 +10452,7 @@
                   <a16:creationId xmlns:a16="http://schemas.microsoft.com/office/drawing/2014/main" id="{AD058EBE-D4A5-4C43-B170-6A451F87A7B2}"/>
                 </a:ext>
                 <a:ext uri="{C183D7F6-B498-43B3-948B-1728B52AA6E4}">
-                  <adec:decorative xmlns="" xmlns:adec="http://schemas.microsoft.com/office/drawing/2017/decorative" val="1"/>
+                  <adec:decorative xmlns:adec="http://schemas.microsoft.com/office/drawing/2017/decorative" xmlns="" val="1"/>
                 </a:ext>
               </a:extLst>
             </p:cNvPr>
@@ -10535,7 +10540,7 @@
                 <a16:creationId xmlns:a16="http://schemas.microsoft.com/office/drawing/2014/main" id="{033BC44A-0661-43B4-9C14-FD5963C226AE}"/>
               </a:ext>
               <a:ext uri="{C183D7F6-B498-43B3-948B-1728B52AA6E4}">
-                <adec:decorative xmlns="" xmlns:adec="http://schemas.microsoft.com/office/drawing/2017/decorative" val="1"/>
+                <adec:decorative xmlns:adec="http://schemas.microsoft.com/office/drawing/2017/decorative" xmlns="" val="1"/>
               </a:ext>
             </a:extLst>
           </p:cNvPr>
@@ -10603,7 +10608,7 @@
                 <a16:creationId xmlns:a16="http://schemas.microsoft.com/office/drawing/2014/main" id="{BE8CB2F0-2F5A-4EBD-B214-E0309C31F578}"/>
               </a:ext>
               <a:ext uri="{C183D7F6-B498-43B3-948B-1728B52AA6E4}">
-                <adec:decorative xmlns="" xmlns:adec="http://schemas.microsoft.com/office/drawing/2017/decorative" val="1"/>
+                <adec:decorative xmlns:adec="http://schemas.microsoft.com/office/drawing/2017/decorative" xmlns="" val="1"/>
               </a:ext>
             </a:extLst>
           </p:cNvPr>
@@ -10675,7 +10680,7 @@
                 <a16:creationId xmlns:a16="http://schemas.microsoft.com/office/drawing/2014/main" id="{FFD3887D-244B-4EC4-9208-E304984C5D0F}"/>
               </a:ext>
               <a:ext uri="{C183D7F6-B498-43B3-948B-1728B52AA6E4}">
-                <adec:decorative xmlns="" xmlns:adec="http://schemas.microsoft.com/office/drawing/2017/decorative" val="1"/>
+                <adec:decorative xmlns:adec="http://schemas.microsoft.com/office/drawing/2017/decorative" xmlns="" val="1"/>
               </a:ext>
             </a:extLst>
           </p:cNvPr>
@@ -10824,7 +10829,7 @@
                 <a16:creationId xmlns:a16="http://schemas.microsoft.com/office/drawing/2014/main" id="{97224C31-855E-4593-8A58-5B2B0CC4F537}"/>
               </a:ext>
               <a:ext uri="{C183D7F6-B498-43B3-948B-1728B52AA6E4}">
-                <adec:decorative xmlns="" xmlns:adec="http://schemas.microsoft.com/office/drawing/2017/decorative" val="1"/>
+                <adec:decorative xmlns:adec="http://schemas.microsoft.com/office/drawing/2017/decorative" xmlns="" val="1"/>
               </a:ext>
             </a:extLst>
           </p:cNvPr>
@@ -11759,6 +11764,30 @@
           <a:chExt cx="0" cy="0"/>
         </a:xfrm>
       </p:grpSpPr>
+      <p:pic>
+        <p:nvPicPr>
+          <p:cNvPr id="4" name="Imagen 3"/>
+          <p:cNvPicPr>
+            <a:picLocks noChangeAspect="1"/>
+          </p:cNvPicPr>
+          <p:nvPr/>
+        </p:nvPicPr>
+        <p:blipFill>
+          <a:blip r:embed="rId2"/>
+          <a:stretch>
+            <a:fillRect/>
+          </a:stretch>
+        </p:blipFill>
+        <p:spPr>
+          <a:xfrm>
+            <a:off x="2838449" y="2126047"/>
+            <a:ext cx="9017001" cy="4287454"/>
+          </a:xfrm>
+          <a:prstGeom prst="rect">
+            <a:avLst/>
+          </a:prstGeom>
+        </p:spPr>
+      </p:pic>
       <p:sp>
         <p:nvSpPr>
           <p:cNvPr id="2" name="Título 1">
@@ -11822,13 +11851,13 @@
         </p:nvSpPr>
         <p:spPr>
           <a:xfrm>
-            <a:off x="838200" y="2072409"/>
-            <a:ext cx="10515600" cy="3101254"/>
+            <a:off x="368298" y="1630746"/>
+            <a:ext cx="2870202" cy="3868353"/>
           </a:xfrm>
         </p:spPr>
         <p:txBody>
           <a:bodyPr>
-            <a:normAutofit/>
+            <a:noAutofit/>
           </a:bodyPr>
           <a:lstStyle/>
           <a:p>
@@ -11967,7 +11996,7 @@
         </p:nvSpPr>
         <p:spPr>
           <a:xfrm>
-            <a:off x="838200" y="2072409"/>
+            <a:off x="838200" y="2161309"/>
             <a:ext cx="10515600" cy="3101254"/>
           </a:xfrm>
         </p:spPr>
@@ -11985,8 +12014,17 @@
           <a:p>
             <a:r>
               <a:rPr lang="es-MX" sz="2000" dirty="0" smtClean="0"/>
-              <a:t>Se puede implementar la arquitectura en capas.</a:t>
-            </a:r>
+              <a:t>Se puede implementar la arquitectura en </a:t>
+            </a:r>
+            <a:r>
+              <a:rPr lang="es-MX" sz="2000" dirty="0" smtClean="0"/>
+              <a:t>capas porque </a:t>
+            </a:r>
+            <a:r>
+              <a:rPr lang="es-MX" sz="2000" dirty="0"/>
+              <a:t>no contradice ninguno de estas características entonces si se podría.</a:t>
+            </a:r>
+            <a:endParaRPr lang="es-MX" sz="2000" dirty="0" smtClean="0"/>
           </a:p>
         </p:txBody>
       </p:sp>
@@ -12542,7 +12580,6 @@
               <a:rPr lang="es-CO" dirty="0"/>
               <a:t>por respuesta se obtiene los datos por Formato JSON.</a:t>
             </a:r>
-            <a:endParaRPr lang="es-CO" dirty="0"/>
           </a:p>
         </p:txBody>
       </p:sp>

--- a/Entregables/3 Arquitectura por REST/Presentacion.pptx
+++ b/Entregables/3 Arquitectura por REST/Presentacion.pptx
@@ -690,7 +690,7 @@
           <a:p>
             <a:fld id="{97BFF81C-1FCB-4DBA-8044-F1A0FCFD45A6}" type="datetime1">
               <a:rPr lang="en-US" smtClean="0"/>
-              <a:t>12/12/2020</a:t>
+              <a:t>12/13/2020</a:t>
             </a:fld>
             <a:endParaRPr lang="en-US" dirty="0"/>
           </a:p>
@@ -1369,7 +1369,7 @@
           <a:p>
             <a:fld id="{FB9092B3-2D87-4CDF-B84B-C46E5F5D31F7}" type="datetime1">
               <a:rPr lang="en-US" smtClean="0"/>
-              <a:t>12/12/2020</a:t>
+              <a:t>12/13/2020</a:t>
             </a:fld>
             <a:endParaRPr lang="en-US" dirty="0"/>
           </a:p>
@@ -2058,7 +2058,7 @@
           <a:p>
             <a:fld id="{3D769E57-47B1-47B0-B526-3153E4B1E729}" type="datetime1">
               <a:rPr lang="en-US" smtClean="0"/>
-              <a:t>12/12/2020</a:t>
+              <a:t>12/13/2020</a:t>
             </a:fld>
             <a:endParaRPr lang="en-US" dirty="0"/>
           </a:p>
@@ -2737,7 +2737,7 @@
           <a:p>
             <a:fld id="{5A87773D-8987-489A-A650-3D6F7D5C7C38}" type="datetime1">
               <a:rPr lang="en-US" smtClean="0"/>
-              <a:t>12/12/2020</a:t>
+              <a:t>12/13/2020</a:t>
             </a:fld>
             <a:endParaRPr lang="en-US" dirty="0"/>
           </a:p>
@@ -3492,7 +3492,7 @@
           <a:p>
             <a:fld id="{97E150C1-1D78-4D80-810D-E9E86F6E88AB}" type="datetime1">
               <a:rPr lang="en-US" smtClean="0"/>
-              <a:t>12/12/2020</a:t>
+              <a:t>12/13/2020</a:t>
             </a:fld>
             <a:endParaRPr lang="en-US" dirty="0"/>
           </a:p>
@@ -4239,7 +4239,7 @@
           <a:p>
             <a:fld id="{29E9CBD8-1588-4B6B-B74D-87480DDE94C0}" type="datetime1">
               <a:rPr lang="en-US" smtClean="0"/>
-              <a:t>12/12/2020</a:t>
+              <a:t>12/13/2020</a:t>
             </a:fld>
             <a:endParaRPr lang="en-US" dirty="0"/>
           </a:p>
@@ -5133,7 +5133,7 @@
           <a:p>
             <a:fld id="{AD794440-721C-4D75-BD4F-4CFB3D51CDCA}" type="datetime1">
               <a:rPr lang="en-US" smtClean="0"/>
-              <a:t>12/12/2020</a:t>
+              <a:t>12/13/2020</a:t>
             </a:fld>
             <a:endParaRPr lang="en-US" dirty="0"/>
           </a:p>
@@ -5754,7 +5754,7 @@
           <a:p>
             <a:fld id="{B2701A64-483B-4532-94FB-D8F90CB6DEE0}" type="datetime1">
               <a:rPr lang="en-US" smtClean="0"/>
-              <a:t>12/12/2020</a:t>
+              <a:t>12/13/2020</a:t>
             </a:fld>
             <a:endParaRPr lang="en-US" dirty="0"/>
           </a:p>
@@ -6346,7 +6346,7 @@
           <a:p>
             <a:fld id="{6F18FB39-20FB-4E2E-B861-45B709B9C3C5}" type="datetime1">
               <a:rPr lang="en-US" smtClean="0"/>
-              <a:t>12/12/2020</a:t>
+              <a:t>12/13/2020</a:t>
             </a:fld>
             <a:endParaRPr lang="en-US" dirty="0"/>
           </a:p>
@@ -7138,7 +7138,7 @@
           <a:p>
             <a:fld id="{AC48AC19-8BD6-476C-9770-8884373BCF00}" type="datetime1">
               <a:rPr lang="en-US" smtClean="0"/>
-              <a:t>12/12/2020</a:t>
+              <a:t>12/13/2020</a:t>
             </a:fld>
             <a:endParaRPr lang="en-US"/>
           </a:p>
@@ -7910,7 +7910,7 @@
           <a:p>
             <a:fld id="{F3F68C53-8AD1-4F09-9486-FB3406B99CFA}" type="datetime1">
               <a:rPr lang="en-US" smtClean="0"/>
-              <a:t>12/12/2020</a:t>
+              <a:t>12/13/2020</a:t>
             </a:fld>
             <a:endParaRPr lang="en-US" dirty="0"/>
           </a:p>
@@ -8221,7 +8221,7 @@
             <a:fld id="{BA543EDD-D0D2-447F-B24F-3717AF4B109D}" type="datetime1">
               <a:rPr lang="en-US" smtClean="0"/>
               <a:pPr/>
-              <a:t>12/12/2020</a:t>
+              <a:t>12/13/2020</a:t>
             </a:fld>
             <a:endParaRPr lang="en-US" dirty="0"/>
           </a:p>
@@ -8663,7 +8663,7 @@
                 <a16:creationId xmlns:a16="http://schemas.microsoft.com/office/drawing/2014/main" id="{489B7BFD-8F45-4093-AD9C-91B15B0503D9}"/>
               </a:ext>
               <a:ext uri="{C183D7F6-B498-43B3-948B-1728B52AA6E4}">
-                <adec:decorative xmlns:adec="http://schemas.microsoft.com/office/drawing/2017/decorative" xmlns="" val="1"/>
+                <adec:decorative xmlns="" xmlns:adec="http://schemas.microsoft.com/office/drawing/2017/decorative" val="1"/>
               </a:ext>
             </a:extLst>
           </p:cNvPr>
@@ -8723,7 +8723,7 @@
                 <a16:creationId xmlns:a16="http://schemas.microsoft.com/office/drawing/2014/main" id="{042BC7E5-76DB-4826-8C07-4A49B6353F76}"/>
               </a:ext>
               <a:ext uri="{C183D7F6-B498-43B3-948B-1728B52AA6E4}">
-                <adec:decorative xmlns:adec="http://schemas.microsoft.com/office/drawing/2017/decorative" xmlns="" val="1"/>
+                <adec:decorative xmlns="" xmlns:adec="http://schemas.microsoft.com/office/drawing/2017/decorative" val="1"/>
               </a:ext>
             </a:extLst>
           </p:cNvPr>
@@ -8757,7 +8757,7 @@
                   <a16:creationId xmlns:a16="http://schemas.microsoft.com/office/drawing/2014/main" id="{E16C8D8F-10E9-4498-ABDB-0F923F8B6837}"/>
                 </a:ext>
                 <a:ext uri="{C183D7F6-B498-43B3-948B-1728B52AA6E4}">
-                  <adec:decorative xmlns:adec="http://schemas.microsoft.com/office/drawing/2017/decorative" xmlns="" val="1"/>
+                  <adec:decorative xmlns="" xmlns:adec="http://schemas.microsoft.com/office/drawing/2017/decorative" val="1"/>
                 </a:ext>
               </a:extLst>
             </p:cNvPr>
@@ -8958,7 +8958,7 @@
                   <a16:creationId xmlns:a16="http://schemas.microsoft.com/office/drawing/2014/main" id="{1E5A83E3-8A11-4492-BB6E-F5F2240316FB}"/>
                 </a:ext>
                 <a:ext uri="{C183D7F6-B498-43B3-948B-1728B52AA6E4}">
-                  <adec:decorative xmlns:adec="http://schemas.microsoft.com/office/drawing/2017/decorative" xmlns="" val="1"/>
+                  <adec:decorative xmlns="" xmlns:adec="http://schemas.microsoft.com/office/drawing/2017/decorative" val="1"/>
                 </a:ext>
               </a:extLst>
             </p:cNvPr>
@@ -9160,7 +9160,7 @@
                 <a16:creationId xmlns:a16="http://schemas.microsoft.com/office/drawing/2014/main" id="{498F8FF6-43B4-494A-AF8F-123A4983EDF7}"/>
               </a:ext>
               <a:ext uri="{C183D7F6-B498-43B3-948B-1728B52AA6E4}">
-                <adec:decorative xmlns:adec="http://schemas.microsoft.com/office/drawing/2017/decorative" xmlns="" val="1"/>
+                <adec:decorative xmlns="" xmlns:adec="http://schemas.microsoft.com/office/drawing/2017/decorative" val="1"/>
               </a:ext>
             </a:extLst>
           </p:cNvPr>
@@ -9298,7 +9298,7 @@
                 <a16:creationId xmlns:a16="http://schemas.microsoft.com/office/drawing/2014/main" id="{2B06059C-C357-4011-82B9-9C0106301384}"/>
               </a:ext>
               <a:ext uri="{C183D7F6-B498-43B3-948B-1728B52AA6E4}">
-                <adec:decorative xmlns:adec="http://schemas.microsoft.com/office/drawing/2017/decorative" xmlns="" val="1"/>
+                <adec:decorative xmlns="" xmlns:adec="http://schemas.microsoft.com/office/drawing/2017/decorative" val="1"/>
               </a:ext>
             </a:extLst>
           </p:cNvPr>
@@ -9440,7 +9440,7 @@
                 <a16:creationId xmlns:a16="http://schemas.microsoft.com/office/drawing/2014/main" id="{5AFEC601-A132-47EE-B0C2-B38ACD9FCE6F}"/>
               </a:ext>
               <a:ext uri="{C183D7F6-B498-43B3-948B-1728B52AA6E4}">
-                <adec:decorative xmlns:adec="http://schemas.microsoft.com/office/drawing/2017/decorative" xmlns="" val="1"/>
+                <adec:decorative xmlns="" xmlns:adec="http://schemas.microsoft.com/office/drawing/2017/decorative" val="1"/>
               </a:ext>
             </a:extLst>
           </p:cNvPr>
@@ -9659,8 +9659,8 @@
               <a:t>DAVID </a:t>
             </a:r>
             <a:r>
-              <a:rPr lang="es-CO" sz="1800" dirty="0" err="1" smtClean="0"/>
-              <a:t>Hernandez</a:t>
+              <a:rPr lang="es-CO" sz="1800" dirty="0" smtClean="0"/>
+              <a:t>Hernández</a:t>
             </a:r>
             <a:endParaRPr lang="es-CO" sz="1800" dirty="0"/>
           </a:p>
@@ -9704,7 +9704,7 @@
                 <a16:creationId xmlns:a16="http://schemas.microsoft.com/office/drawing/2014/main" id="{279CAF82-0ECF-42BE-8F37-F71941E5D410}"/>
               </a:ext>
               <a:ext uri="{C183D7F6-B498-43B3-948B-1728B52AA6E4}">
-                <adec:decorative xmlns:adec="http://schemas.microsoft.com/office/drawing/2017/decorative" xmlns="" val="1"/>
+                <adec:decorative xmlns="" xmlns:adec="http://schemas.microsoft.com/office/drawing/2017/decorative" val="1"/>
               </a:ext>
             </a:extLst>
           </p:cNvPr>
@@ -9886,7 +9886,7 @@
                 <a16:creationId xmlns:a16="http://schemas.microsoft.com/office/drawing/2014/main" id="{218E095B-4870-4AD5-9C41-C16D59523501}"/>
               </a:ext>
               <a:ext uri="{C183D7F6-B498-43B3-948B-1728B52AA6E4}">
-                <adec:decorative xmlns:adec="http://schemas.microsoft.com/office/drawing/2017/decorative" xmlns="" val="1"/>
+                <adec:decorative xmlns="" xmlns:adec="http://schemas.microsoft.com/office/drawing/2017/decorative" val="1"/>
               </a:ext>
             </a:extLst>
           </p:cNvPr>
@@ -10070,7 +10070,7 @@
                 <a16:creationId xmlns:a16="http://schemas.microsoft.com/office/drawing/2014/main" id="{FB9739EB-7F66-433D-841F-AB3CD18700B7}"/>
               </a:ext>
               <a:ext uri="{C183D7F6-B498-43B3-948B-1728B52AA6E4}">
-                <adec:decorative xmlns:adec="http://schemas.microsoft.com/office/drawing/2017/decorative" xmlns="" val="1"/>
+                <adec:decorative xmlns="" xmlns:adec="http://schemas.microsoft.com/office/drawing/2017/decorative" val="1"/>
               </a:ext>
             </a:extLst>
           </p:cNvPr>
@@ -10104,7 +10104,7 @@
                   <a16:creationId xmlns:a16="http://schemas.microsoft.com/office/drawing/2014/main" id="{104F2BBD-A005-4DCB-9566-F2351050BEE6}"/>
                 </a:ext>
                 <a:ext uri="{C183D7F6-B498-43B3-948B-1728B52AA6E4}">
-                  <adec:decorative xmlns:adec="http://schemas.microsoft.com/office/drawing/2017/decorative" xmlns="" val="1"/>
+                  <adec:decorative xmlns="" xmlns:adec="http://schemas.microsoft.com/office/drawing/2017/decorative" val="1"/>
                 </a:ext>
               </a:extLst>
             </p:cNvPr>
@@ -10191,7 +10191,7 @@
                   <a16:creationId xmlns:a16="http://schemas.microsoft.com/office/drawing/2014/main" id="{8B00DEC7-198B-49D1-98FD-018F3ECFCF4C}"/>
                 </a:ext>
                 <a:ext uri="{C183D7F6-B498-43B3-948B-1728B52AA6E4}">
-                  <adec:decorative xmlns:adec="http://schemas.microsoft.com/office/drawing/2017/decorative" xmlns="" val="1"/>
+                  <adec:decorative xmlns="" xmlns:adec="http://schemas.microsoft.com/office/drawing/2017/decorative" val="1"/>
                 </a:ext>
               </a:extLst>
             </p:cNvPr>
@@ -10278,7 +10278,7 @@
                   <a16:creationId xmlns:a16="http://schemas.microsoft.com/office/drawing/2014/main" id="{F14DFC82-B3B3-468E-91B3-1302CFC68468}"/>
                 </a:ext>
                 <a:ext uri="{C183D7F6-B498-43B3-948B-1728B52AA6E4}">
-                  <adec:decorative xmlns:adec="http://schemas.microsoft.com/office/drawing/2017/decorative" xmlns="" val="1"/>
+                  <adec:decorative xmlns="" xmlns:adec="http://schemas.microsoft.com/office/drawing/2017/decorative" val="1"/>
                 </a:ext>
               </a:extLst>
             </p:cNvPr>
@@ -10365,7 +10365,7 @@
                   <a16:creationId xmlns:a16="http://schemas.microsoft.com/office/drawing/2014/main" id="{D3250EFE-214E-4B8E-AF96-036A514FFB2D}"/>
                 </a:ext>
                 <a:ext uri="{C183D7F6-B498-43B3-948B-1728B52AA6E4}">
-                  <adec:decorative xmlns:adec="http://schemas.microsoft.com/office/drawing/2017/decorative" xmlns="" val="1"/>
+                  <adec:decorative xmlns="" xmlns:adec="http://schemas.microsoft.com/office/drawing/2017/decorative" val="1"/>
                 </a:ext>
               </a:extLst>
             </p:cNvPr>
@@ -10452,7 +10452,7 @@
                   <a16:creationId xmlns:a16="http://schemas.microsoft.com/office/drawing/2014/main" id="{AD058EBE-D4A5-4C43-B170-6A451F87A7B2}"/>
                 </a:ext>
                 <a:ext uri="{C183D7F6-B498-43B3-948B-1728B52AA6E4}">
-                  <adec:decorative xmlns:adec="http://schemas.microsoft.com/office/drawing/2017/decorative" xmlns="" val="1"/>
+                  <adec:decorative xmlns="" xmlns:adec="http://schemas.microsoft.com/office/drawing/2017/decorative" val="1"/>
                 </a:ext>
               </a:extLst>
             </p:cNvPr>
@@ -10540,7 +10540,7 @@
                 <a16:creationId xmlns:a16="http://schemas.microsoft.com/office/drawing/2014/main" id="{033BC44A-0661-43B4-9C14-FD5963C226AE}"/>
               </a:ext>
               <a:ext uri="{C183D7F6-B498-43B3-948B-1728B52AA6E4}">
-                <adec:decorative xmlns:adec="http://schemas.microsoft.com/office/drawing/2017/decorative" xmlns="" val="1"/>
+                <adec:decorative xmlns="" xmlns:adec="http://schemas.microsoft.com/office/drawing/2017/decorative" val="1"/>
               </a:ext>
             </a:extLst>
           </p:cNvPr>
@@ -10608,7 +10608,7 @@
                 <a16:creationId xmlns:a16="http://schemas.microsoft.com/office/drawing/2014/main" id="{BE8CB2F0-2F5A-4EBD-B214-E0309C31F578}"/>
               </a:ext>
               <a:ext uri="{C183D7F6-B498-43B3-948B-1728B52AA6E4}">
-                <adec:decorative xmlns:adec="http://schemas.microsoft.com/office/drawing/2017/decorative" xmlns="" val="1"/>
+                <adec:decorative xmlns="" xmlns:adec="http://schemas.microsoft.com/office/drawing/2017/decorative" val="1"/>
               </a:ext>
             </a:extLst>
           </p:cNvPr>
@@ -10680,7 +10680,7 @@
                 <a16:creationId xmlns:a16="http://schemas.microsoft.com/office/drawing/2014/main" id="{FFD3887D-244B-4EC4-9208-E304984C5D0F}"/>
               </a:ext>
               <a:ext uri="{C183D7F6-B498-43B3-948B-1728B52AA6E4}">
-                <adec:decorative xmlns:adec="http://schemas.microsoft.com/office/drawing/2017/decorative" xmlns="" val="1"/>
+                <adec:decorative xmlns="" xmlns:adec="http://schemas.microsoft.com/office/drawing/2017/decorative" val="1"/>
               </a:ext>
             </a:extLst>
           </p:cNvPr>
@@ -10829,7 +10829,7 @@
                 <a16:creationId xmlns:a16="http://schemas.microsoft.com/office/drawing/2014/main" id="{97224C31-855E-4593-8A58-5B2B0CC4F537}"/>
               </a:ext>
               <a:ext uri="{C183D7F6-B498-43B3-948B-1728B52AA6E4}">
-                <adec:decorative xmlns:adec="http://schemas.microsoft.com/office/drawing/2017/decorative" xmlns="" val="1"/>
+                <adec:decorative xmlns="" xmlns:adec="http://schemas.microsoft.com/office/drawing/2017/decorative" val="1"/>
               </a:ext>
             </a:extLst>
           </p:cNvPr>
@@ -11719,7 +11719,15 @@
           <a:p>
             <a:r>
               <a:rPr lang="es-MX" sz="2000" dirty="0" smtClean="0"/>
-              <a:t>Se realizaría un load balancer que redistribuya las peticiones a uno de los servidores rest que tenga menos carga.  </a:t>
+              <a:t>Se realizaría un load balancer que redistribuya las peticiones a uno de los servidores </a:t>
+            </a:r>
+            <a:r>
+              <a:rPr lang="es-MX" sz="2000" dirty="0" err="1" smtClean="0"/>
+              <a:t>rest</a:t>
+            </a:r>
+            <a:r>
+              <a:rPr lang="es-MX" sz="2000" dirty="0" smtClean="0"/>
+              <a:t> que tenga menos carga.  </a:t>
             </a:r>
           </a:p>
           <a:p>
@@ -12008,21 +12016,27 @@
           <a:p>
             <a:r>
               <a:rPr lang="es-MX" sz="2000" dirty="0" smtClean="0"/>
-              <a:t>Se puede implementar una arquitectura monolítica ya que la arquitectura monolítica es que todo este junto y sea autosuficiente y la arquitectura rest no contradice ninguno de estas características entonces si se podría.</a:t>
-            </a:r>
-          </a:p>
-          <a:p>
+              <a:t>Se </a:t>
+            </a:r>
             <a:r>
               <a:rPr lang="es-MX" sz="2000" dirty="0" smtClean="0"/>
-              <a:t>Se puede implementar la arquitectura en </a:t>
+              <a:t>puede implementar la arquitectura en capas </a:t>
             </a:r>
             <a:r>
               <a:rPr lang="es-MX" sz="2000" dirty="0" smtClean="0"/>
-              <a:t>capas porque </a:t>
-            </a:r>
-            <a:r>
-              <a:rPr lang="es-MX" sz="2000" dirty="0"/>
-              <a:t>no contradice ninguno de estas características entonces si se podría.</a:t>
+              <a:t>porque se puede mezclar muy fácil las capas de negocio, persistencia con los servicios de la de </a:t>
+            </a:r>
+            <a:r>
+              <a:rPr lang="es-MX" sz="2000" dirty="0" smtClean="0"/>
+              <a:t>R</a:t>
+            </a:r>
+            <a:r>
+              <a:rPr lang="es-MX" sz="2000" dirty="0" smtClean="0"/>
+              <a:t>est sin afectar </a:t>
+            </a:r>
+            <a:r>
+              <a:rPr lang="es-MX" sz="2000" smtClean="0"/>
+              <a:t>a esta.</a:t>
             </a:r>
             <a:endParaRPr lang="es-MX" sz="2000" dirty="0" smtClean="0"/>
           </a:p>
